--- a/papers/RSS2016/pictures/pdf/PositionNrobots.pptx
+++ b/papers/RSS2016/pictures/pdf/PositionNrobots.pptx
@@ -288,7 +288,7 @@
           <a:p>
             <a:fld id="{D9007BAF-787B-5B4F-8632-C84DCD7706EC}" type="datetimeFigureOut">
               <a:rPr lang="en-US" smtClean="0"/>
-              <a:t>9/23/15</a:t>
+              <a:t>1/29/16</a:t>
             </a:fld>
             <a:endParaRPr lang="en-US"/>
           </a:p>
@@ -458,7 +458,7 @@
           <a:p>
             <a:fld id="{D9007BAF-787B-5B4F-8632-C84DCD7706EC}" type="datetimeFigureOut">
               <a:rPr lang="en-US" smtClean="0"/>
-              <a:t>9/23/15</a:t>
+              <a:t>1/29/16</a:t>
             </a:fld>
             <a:endParaRPr lang="en-US"/>
           </a:p>
@@ -638,7 +638,7 @@
           <a:p>
             <a:fld id="{D9007BAF-787B-5B4F-8632-C84DCD7706EC}" type="datetimeFigureOut">
               <a:rPr lang="en-US" smtClean="0"/>
-              <a:t>9/23/15</a:t>
+              <a:t>1/29/16</a:t>
             </a:fld>
             <a:endParaRPr lang="en-US"/>
           </a:p>
@@ -808,7 +808,7 @@
           <a:p>
             <a:fld id="{D9007BAF-787B-5B4F-8632-C84DCD7706EC}" type="datetimeFigureOut">
               <a:rPr lang="en-US" smtClean="0"/>
-              <a:t>9/23/15</a:t>
+              <a:t>1/29/16</a:t>
             </a:fld>
             <a:endParaRPr lang="en-US"/>
           </a:p>
@@ -1054,7 +1054,7 @@
           <a:p>
             <a:fld id="{D9007BAF-787B-5B4F-8632-C84DCD7706EC}" type="datetimeFigureOut">
               <a:rPr lang="en-US" smtClean="0"/>
-              <a:t>9/23/15</a:t>
+              <a:t>1/29/16</a:t>
             </a:fld>
             <a:endParaRPr lang="en-US"/>
           </a:p>
@@ -1342,7 +1342,7 @@
           <a:p>
             <a:fld id="{D9007BAF-787B-5B4F-8632-C84DCD7706EC}" type="datetimeFigureOut">
               <a:rPr lang="en-US" smtClean="0"/>
-              <a:t>9/23/15</a:t>
+              <a:t>1/29/16</a:t>
             </a:fld>
             <a:endParaRPr lang="en-US"/>
           </a:p>
@@ -1764,7 +1764,7 @@
           <a:p>
             <a:fld id="{D9007BAF-787B-5B4F-8632-C84DCD7706EC}" type="datetimeFigureOut">
               <a:rPr lang="en-US" smtClean="0"/>
-              <a:t>9/23/15</a:t>
+              <a:t>1/29/16</a:t>
             </a:fld>
             <a:endParaRPr lang="en-US"/>
           </a:p>
@@ -1882,7 +1882,7 @@
           <a:p>
             <a:fld id="{D9007BAF-787B-5B4F-8632-C84DCD7706EC}" type="datetimeFigureOut">
               <a:rPr lang="en-US" smtClean="0"/>
-              <a:t>9/23/15</a:t>
+              <a:t>1/29/16</a:t>
             </a:fld>
             <a:endParaRPr lang="en-US"/>
           </a:p>
@@ -1977,7 +1977,7 @@
           <a:p>
             <a:fld id="{D9007BAF-787B-5B4F-8632-C84DCD7706EC}" type="datetimeFigureOut">
               <a:rPr lang="en-US" smtClean="0"/>
-              <a:t>9/23/15</a:t>
+              <a:t>1/29/16</a:t>
             </a:fld>
             <a:endParaRPr lang="en-US"/>
           </a:p>
@@ -2254,7 +2254,7 @@
           <a:p>
             <a:fld id="{D9007BAF-787B-5B4F-8632-C84DCD7706EC}" type="datetimeFigureOut">
               <a:rPr lang="en-US" smtClean="0"/>
-              <a:t>9/23/15</a:t>
+              <a:t>1/29/16</a:t>
             </a:fld>
             <a:endParaRPr lang="en-US"/>
           </a:p>
@@ -2507,7 +2507,7 @@
           <a:p>
             <a:fld id="{D9007BAF-787B-5B4F-8632-C84DCD7706EC}" type="datetimeFigureOut">
               <a:rPr lang="en-US" smtClean="0"/>
-              <a:t>9/23/15</a:t>
+              <a:t>1/29/16</a:t>
             </a:fld>
             <a:endParaRPr lang="en-US"/>
           </a:p>
@@ -2720,7 +2720,7 @@
           <a:p>
             <a:fld id="{D9007BAF-787B-5B4F-8632-C84DCD7706EC}" type="datetimeFigureOut">
               <a:rPr lang="en-US" smtClean="0"/>
-              <a:t>9/23/15</a:t>
+              <a:t>1/29/16</a:t>
             </a:fld>
             <a:endParaRPr lang="en-US"/>
           </a:p>
@@ -3166,7 +3166,10 @@
               <a:lstStyle/>
               <a:p>
                 <a:pPr algn="ctr"/>
-                <a:endParaRPr lang="en-US" sz="4800"/>
+                <a:endParaRPr lang="en-US" sz="4800">
+                  <a:latin typeface="Times New Roman"/>
+                  <a:cs typeface="Times New Roman"/>
+                </a:endParaRPr>
               </a:p>
             </p:txBody>
           </p:sp>
@@ -3213,7 +3216,10 @@
               <a:lstStyle/>
               <a:p>
                 <a:pPr algn="ctr"/>
-                <a:endParaRPr lang="en-US" sz="4800"/>
+                <a:endParaRPr lang="en-US" sz="4800">
+                  <a:latin typeface="Times New Roman"/>
+                  <a:cs typeface="Times New Roman"/>
+                </a:endParaRPr>
               </a:p>
             </p:txBody>
           </p:sp>
@@ -3564,6 +3570,8 @@
                   <a:solidFill>
                     <a:schemeClr val="tx1"/>
                   </a:solidFill>
+                  <a:latin typeface="Times New Roman"/>
+                  <a:cs typeface="Times New Roman"/>
                 </a:endParaRPr>
               </a:p>
             </p:txBody>
@@ -3926,7 +3934,10 @@
               <a:lstStyle/>
               <a:p>
                 <a:pPr algn="ctr"/>
-                <a:endParaRPr lang="en-US" sz="4800"/>
+                <a:endParaRPr lang="en-US" sz="4800">
+                  <a:latin typeface="Times New Roman"/>
+                  <a:cs typeface="Times New Roman"/>
+                </a:endParaRPr>
               </a:p>
             </p:txBody>
           </p:sp>
@@ -3973,7 +3984,10 @@
               <a:lstStyle/>
               <a:p>
                 <a:pPr algn="ctr"/>
-                <a:endParaRPr lang="en-US" sz="4800"/>
+                <a:endParaRPr lang="en-US" sz="4800">
+                  <a:latin typeface="Times New Roman"/>
+                  <a:cs typeface="Times New Roman"/>
+                </a:endParaRPr>
               </a:p>
             </p:txBody>
           </p:sp>
@@ -4324,6 +4338,8 @@
                   <a:solidFill>
                     <a:schemeClr val="tx1"/>
                   </a:solidFill>
+                  <a:latin typeface="Times New Roman"/>
+                  <a:cs typeface="Times New Roman"/>
                 </a:endParaRPr>
               </a:p>
             </p:txBody>
@@ -4686,7 +4702,10 @@
               <a:lstStyle/>
               <a:p>
                 <a:pPr algn="ctr"/>
-                <a:endParaRPr lang="en-US" sz="4800"/>
+                <a:endParaRPr lang="en-US" sz="4800">
+                  <a:latin typeface="Times New Roman"/>
+                  <a:cs typeface="Times New Roman"/>
+                </a:endParaRPr>
               </a:p>
             </p:txBody>
           </p:sp>
@@ -4739,6 +4758,8 @@
                       <a:lumMod val="75000"/>
                     </a:schemeClr>
                   </a:solidFill>
+                  <a:latin typeface="Times New Roman"/>
+                  <a:cs typeface="Times New Roman"/>
                 </a:endParaRPr>
               </a:p>
             </p:txBody>
@@ -5090,6 +5111,8 @@
                   <a:solidFill>
                     <a:schemeClr val="tx1"/>
                   </a:solidFill>
+                  <a:latin typeface="Times New Roman"/>
+                  <a:cs typeface="Times New Roman"/>
                 </a:endParaRPr>
               </a:p>
             </p:txBody>
@@ -5452,7 +5475,10 @@
               <a:lstStyle/>
               <a:p>
                 <a:pPr algn="ctr"/>
-                <a:endParaRPr lang="en-US" sz="4800"/>
+                <a:endParaRPr lang="en-US" sz="4800">
+                  <a:latin typeface="Times New Roman"/>
+                  <a:cs typeface="Times New Roman"/>
+                </a:endParaRPr>
               </a:p>
             </p:txBody>
           </p:sp>
@@ -5499,7 +5525,10 @@
               <a:lstStyle/>
               <a:p>
                 <a:pPr algn="ctr"/>
-                <a:endParaRPr lang="en-US" sz="4800"/>
+                <a:endParaRPr lang="en-US" sz="4800">
+                  <a:latin typeface="Times New Roman"/>
+                  <a:cs typeface="Times New Roman"/>
+                </a:endParaRPr>
               </a:p>
             </p:txBody>
           </p:sp>
@@ -5850,6 +5879,8 @@
                   <a:solidFill>
                     <a:schemeClr val="tx1"/>
                   </a:solidFill>
+                  <a:latin typeface="Times New Roman"/>
+                  <a:cs typeface="Times New Roman"/>
                 </a:endParaRPr>
               </a:p>
             </p:txBody>
@@ -6212,7 +6243,10 @@
               <a:lstStyle/>
               <a:p>
                 <a:pPr algn="ctr"/>
-                <a:endParaRPr lang="en-US" sz="4800"/>
+                <a:endParaRPr lang="en-US" sz="4800">
+                  <a:latin typeface="Times New Roman"/>
+                  <a:cs typeface="Times New Roman"/>
+                </a:endParaRPr>
               </a:p>
             </p:txBody>
           </p:sp>
@@ -6259,7 +6293,10 @@
               <a:lstStyle/>
               <a:p>
                 <a:pPr algn="ctr"/>
-                <a:endParaRPr lang="en-US" sz="4800"/>
+                <a:endParaRPr lang="en-US" sz="4800">
+                  <a:latin typeface="Times New Roman"/>
+                  <a:cs typeface="Times New Roman"/>
+                </a:endParaRPr>
               </a:p>
             </p:txBody>
           </p:sp>
@@ -6610,6 +6647,8 @@
                   <a:solidFill>
                     <a:schemeClr val="tx1"/>
                   </a:solidFill>
+                  <a:latin typeface="Times New Roman"/>
+                  <a:cs typeface="Times New Roman"/>
                 </a:endParaRPr>
               </a:p>
             </p:txBody>
@@ -6972,7 +7011,10 @@
               <a:lstStyle/>
               <a:p>
                 <a:pPr algn="ctr"/>
-                <a:endParaRPr lang="en-US" sz="4800"/>
+                <a:endParaRPr lang="en-US" sz="4800">
+                  <a:latin typeface="Times New Roman"/>
+                  <a:cs typeface="Times New Roman"/>
+                </a:endParaRPr>
               </a:p>
             </p:txBody>
           </p:sp>
@@ -7019,7 +7061,10 @@
               <a:lstStyle/>
               <a:p>
                 <a:pPr algn="ctr"/>
-                <a:endParaRPr lang="en-US" sz="4800"/>
+                <a:endParaRPr lang="en-US" sz="4800">
+                  <a:latin typeface="Times New Roman"/>
+                  <a:cs typeface="Times New Roman"/>
+                </a:endParaRPr>
               </a:p>
             </p:txBody>
           </p:sp>
@@ -7370,6 +7415,8 @@
                   <a:solidFill>
                     <a:schemeClr val="tx1"/>
                   </a:solidFill>
+                  <a:latin typeface="Times New Roman"/>
+                  <a:cs typeface="Times New Roman"/>
                 </a:endParaRPr>
               </a:p>
             </p:txBody>
@@ -7718,7 +7765,10 @@
             <a:lstStyle/>
             <a:p>
               <a:pPr algn="ctr"/>
-              <a:endParaRPr lang="en-US" sz="4800"/>
+              <a:endParaRPr lang="en-US" sz="4800">
+                <a:latin typeface="Times New Roman"/>
+                <a:cs typeface="Times New Roman"/>
+              </a:endParaRPr>
             </a:p>
           </p:txBody>
         </p:sp>
@@ -7765,7 +7815,10 @@
             <a:lstStyle/>
             <a:p>
               <a:pPr algn="ctr"/>
-              <a:endParaRPr lang="en-US" sz="4800"/>
+              <a:endParaRPr lang="en-US" sz="4800">
+                <a:latin typeface="Times New Roman"/>
+                <a:cs typeface="Times New Roman"/>
+              </a:endParaRPr>
             </a:p>
           </p:txBody>
         </p:sp>
@@ -8116,6 +8169,8 @@
                 <a:solidFill>
                   <a:schemeClr val="tx1"/>
                 </a:solidFill>
+                <a:latin typeface="Times New Roman"/>
+                <a:cs typeface="Times New Roman"/>
               </a:endParaRPr>
             </a:p>
           </p:txBody>
@@ -8463,7 +8518,10 @@
             <a:lstStyle/>
             <a:p>
               <a:pPr algn="ctr"/>
-              <a:endParaRPr lang="en-US" sz="4800"/>
+              <a:endParaRPr lang="en-US" sz="4800">
+                <a:latin typeface="Times New Roman"/>
+                <a:cs typeface="Times New Roman"/>
+              </a:endParaRPr>
             </a:p>
           </p:txBody>
         </p:sp>
@@ -8510,7 +8568,10 @@
             <a:lstStyle/>
             <a:p>
               <a:pPr algn="ctr"/>
-              <a:endParaRPr lang="en-US" sz="4800"/>
+              <a:endParaRPr lang="en-US" sz="4800">
+                <a:latin typeface="Times New Roman"/>
+                <a:cs typeface="Times New Roman"/>
+              </a:endParaRPr>
             </a:p>
           </p:txBody>
         </p:sp>
@@ -8861,6 +8922,8 @@
                 <a:solidFill>
                   <a:schemeClr val="tx1"/>
                 </a:solidFill>
+                <a:latin typeface="Times New Roman"/>
+                <a:cs typeface="Times New Roman"/>
               </a:endParaRPr>
             </a:p>
           </p:txBody>
@@ -9208,7 +9271,10 @@
             <a:lstStyle/>
             <a:p>
               <a:pPr algn="ctr"/>
-              <a:endParaRPr lang="en-US" sz="4800"/>
+              <a:endParaRPr lang="en-US" sz="4800">
+                <a:latin typeface="Times New Roman"/>
+                <a:cs typeface="Times New Roman"/>
+              </a:endParaRPr>
             </a:p>
           </p:txBody>
         </p:sp>
@@ -9255,7 +9321,10 @@
             <a:lstStyle/>
             <a:p>
               <a:pPr algn="ctr"/>
-              <a:endParaRPr lang="en-US" sz="4800"/>
+              <a:endParaRPr lang="en-US" sz="4800">
+                <a:latin typeface="Times New Roman"/>
+                <a:cs typeface="Times New Roman"/>
+              </a:endParaRPr>
             </a:p>
           </p:txBody>
         </p:sp>
@@ -9606,6 +9675,8 @@
                 <a:solidFill>
                   <a:schemeClr val="tx1"/>
                 </a:solidFill>
+                <a:latin typeface="Times New Roman"/>
+                <a:cs typeface="Times New Roman"/>
               </a:endParaRPr>
             </a:p>
           </p:txBody>
@@ -9953,7 +10024,10 @@
             <a:lstStyle/>
             <a:p>
               <a:pPr algn="ctr"/>
-              <a:endParaRPr lang="en-US" sz="4800"/>
+              <a:endParaRPr lang="en-US" sz="4800">
+                <a:latin typeface="Times New Roman"/>
+                <a:cs typeface="Times New Roman"/>
+              </a:endParaRPr>
             </a:p>
           </p:txBody>
         </p:sp>
@@ -10000,7 +10074,10 @@
             <a:lstStyle/>
             <a:p>
               <a:pPr algn="ctr"/>
-              <a:endParaRPr lang="en-US" sz="4800"/>
+              <a:endParaRPr lang="en-US" sz="4800">
+                <a:latin typeface="Times New Roman"/>
+                <a:cs typeface="Times New Roman"/>
+              </a:endParaRPr>
             </a:p>
           </p:txBody>
         </p:sp>
@@ -10351,6 +10428,8 @@
                 <a:solidFill>
                   <a:schemeClr val="tx1"/>
                 </a:solidFill>
+                <a:latin typeface="Times New Roman"/>
+                <a:cs typeface="Times New Roman"/>
               </a:endParaRPr>
             </a:p>
           </p:txBody>
@@ -10698,7 +10777,10 @@
             <a:lstStyle/>
             <a:p>
               <a:pPr algn="ctr"/>
-              <a:endParaRPr lang="en-US" sz="4800"/>
+              <a:endParaRPr lang="en-US" sz="4800">
+                <a:latin typeface="Times New Roman"/>
+                <a:cs typeface="Times New Roman"/>
+              </a:endParaRPr>
             </a:p>
           </p:txBody>
         </p:sp>
@@ -10745,7 +10827,10 @@
             <a:lstStyle/>
             <a:p>
               <a:pPr algn="ctr"/>
-              <a:endParaRPr lang="en-US" sz="4800"/>
+              <a:endParaRPr lang="en-US" sz="4800">
+                <a:latin typeface="Times New Roman"/>
+                <a:cs typeface="Times New Roman"/>
+              </a:endParaRPr>
             </a:p>
           </p:txBody>
         </p:sp>
@@ -11096,6 +11181,8 @@
                 <a:solidFill>
                   <a:schemeClr val="tx1"/>
                 </a:solidFill>
+                <a:latin typeface="Times New Roman"/>
+                <a:cs typeface="Times New Roman"/>
               </a:endParaRPr>
             </a:p>
           </p:txBody>
@@ -11443,7 +11530,10 @@
             <a:lstStyle/>
             <a:p>
               <a:pPr algn="ctr"/>
-              <a:endParaRPr lang="en-US" sz="4800"/>
+              <a:endParaRPr lang="en-US" sz="4800">
+                <a:latin typeface="Times New Roman"/>
+                <a:cs typeface="Times New Roman"/>
+              </a:endParaRPr>
             </a:p>
           </p:txBody>
         </p:sp>
@@ -11490,7 +11580,10 @@
             <a:lstStyle/>
             <a:p>
               <a:pPr algn="ctr"/>
-              <a:endParaRPr lang="en-US" sz="4800"/>
+              <a:endParaRPr lang="en-US" sz="4800">
+                <a:latin typeface="Times New Roman"/>
+                <a:cs typeface="Times New Roman"/>
+              </a:endParaRPr>
             </a:p>
           </p:txBody>
         </p:sp>
@@ -11841,6 +11934,8 @@
                 <a:solidFill>
                   <a:schemeClr val="tx1"/>
                 </a:solidFill>
+                <a:latin typeface="Times New Roman"/>
+                <a:cs typeface="Times New Roman"/>
               </a:endParaRPr>
             </a:p>
           </p:txBody>
@@ -12186,7 +12281,10 @@
             <a:lstStyle/>
             <a:p>
               <a:pPr algn="ctr"/>
-              <a:endParaRPr lang="en-US"/>
+              <a:endParaRPr lang="en-US">
+                <a:latin typeface="Times New Roman"/>
+                <a:cs typeface="Times New Roman"/>
+              </a:endParaRPr>
             </a:p>
           </p:txBody>
         </p:sp>
@@ -12231,7 +12329,10 @@
             <a:lstStyle/>
             <a:p>
               <a:pPr algn="ctr"/>
-              <a:endParaRPr lang="en-US"/>
+              <a:endParaRPr lang="en-US">
+                <a:latin typeface="Times New Roman"/>
+                <a:cs typeface="Times New Roman"/>
+              </a:endParaRPr>
             </a:p>
           </p:txBody>
         </p:sp>
@@ -12276,7 +12377,10 @@
             <a:lstStyle/>
             <a:p>
               <a:pPr algn="ctr"/>
-              <a:endParaRPr lang="en-US"/>
+              <a:endParaRPr lang="en-US">
+                <a:latin typeface="Times New Roman"/>
+                <a:cs typeface="Times New Roman"/>
+              </a:endParaRPr>
             </a:p>
           </p:txBody>
         </p:sp>
@@ -12338,7 +12442,10 @@
             <a:lstStyle/>
             <a:p>
               <a:pPr algn="ctr"/>
-              <a:endParaRPr lang="en-US" sz="4800"/>
+              <a:endParaRPr lang="en-US" sz="4800">
+                <a:latin typeface="Times New Roman"/>
+                <a:cs typeface="Times New Roman"/>
+              </a:endParaRPr>
             </a:p>
           </p:txBody>
         </p:sp>
@@ -12385,7 +12492,10 @@
             <a:lstStyle/>
             <a:p>
               <a:pPr algn="ctr"/>
-              <a:endParaRPr lang="en-US" sz="4800"/>
+              <a:endParaRPr lang="en-US" sz="4800">
+                <a:latin typeface="Times New Roman"/>
+                <a:cs typeface="Times New Roman"/>
+              </a:endParaRPr>
             </a:p>
           </p:txBody>
         </p:sp>
@@ -12736,6 +12846,8 @@
                 <a:solidFill>
                   <a:schemeClr val="tx1"/>
                 </a:solidFill>
+                <a:latin typeface="Times New Roman"/>
+                <a:cs typeface="Times New Roman"/>
               </a:endParaRPr>
             </a:p>
           </p:txBody>
@@ -13083,7 +13195,10 @@
             <a:lstStyle/>
             <a:p>
               <a:pPr algn="ctr"/>
-              <a:endParaRPr lang="en-US" sz="4800"/>
+              <a:endParaRPr lang="en-US" sz="4800">
+                <a:latin typeface="Times New Roman"/>
+                <a:cs typeface="Times New Roman"/>
+              </a:endParaRPr>
             </a:p>
           </p:txBody>
         </p:sp>
@@ -13130,7 +13245,10 @@
             <a:lstStyle/>
             <a:p>
               <a:pPr algn="ctr"/>
-              <a:endParaRPr lang="en-US" sz="4800"/>
+              <a:endParaRPr lang="en-US" sz="4800">
+                <a:latin typeface="Times New Roman"/>
+                <a:cs typeface="Times New Roman"/>
+              </a:endParaRPr>
             </a:p>
           </p:txBody>
         </p:sp>
@@ -13481,6 +13599,8 @@
                 <a:solidFill>
                   <a:schemeClr val="tx1"/>
                 </a:solidFill>
+                <a:latin typeface="Times New Roman"/>
+                <a:cs typeface="Times New Roman"/>
               </a:endParaRPr>
             </a:p>
           </p:txBody>
@@ -13828,7 +13948,10 @@
             <a:lstStyle/>
             <a:p>
               <a:pPr algn="ctr"/>
-              <a:endParaRPr lang="en-US" sz="4800"/>
+              <a:endParaRPr lang="en-US" sz="4800">
+                <a:latin typeface="Times New Roman"/>
+                <a:cs typeface="Times New Roman"/>
+              </a:endParaRPr>
             </a:p>
           </p:txBody>
         </p:sp>
@@ -13875,7 +13998,10 @@
             <a:lstStyle/>
             <a:p>
               <a:pPr algn="ctr"/>
-              <a:endParaRPr lang="en-US" sz="4800"/>
+              <a:endParaRPr lang="en-US" sz="4800">
+                <a:latin typeface="Times New Roman"/>
+                <a:cs typeface="Times New Roman"/>
+              </a:endParaRPr>
             </a:p>
           </p:txBody>
         </p:sp>
@@ -14226,6 +14352,8 @@
                 <a:solidFill>
                   <a:schemeClr val="tx1"/>
                 </a:solidFill>
+                <a:latin typeface="Times New Roman"/>
+                <a:cs typeface="Times New Roman"/>
               </a:endParaRPr>
             </a:p>
           </p:txBody>
@@ -14573,7 +14701,10 @@
             <a:lstStyle/>
             <a:p>
               <a:pPr algn="ctr"/>
-              <a:endParaRPr lang="en-US" sz="4800"/>
+              <a:endParaRPr lang="en-US" sz="4800">
+                <a:latin typeface="Times New Roman"/>
+                <a:cs typeface="Times New Roman"/>
+              </a:endParaRPr>
             </a:p>
           </p:txBody>
         </p:sp>
@@ -14620,7 +14751,10 @@
             <a:lstStyle/>
             <a:p>
               <a:pPr algn="ctr"/>
-              <a:endParaRPr lang="en-US" sz="4800"/>
+              <a:endParaRPr lang="en-US" sz="4800">
+                <a:latin typeface="Times New Roman"/>
+                <a:cs typeface="Times New Roman"/>
+              </a:endParaRPr>
             </a:p>
           </p:txBody>
         </p:sp>
@@ -14971,6 +15105,8 @@
                 <a:solidFill>
                   <a:schemeClr val="tx1"/>
                 </a:solidFill>
+                <a:latin typeface="Times New Roman"/>
+                <a:cs typeface="Times New Roman"/>
               </a:endParaRPr>
             </a:p>
           </p:txBody>
@@ -15318,7 +15454,10 @@
             <a:lstStyle/>
             <a:p>
               <a:pPr algn="ctr"/>
-              <a:endParaRPr lang="en-US" sz="4800"/>
+              <a:endParaRPr lang="en-US" sz="4800">
+                <a:latin typeface="Times New Roman"/>
+                <a:cs typeface="Times New Roman"/>
+              </a:endParaRPr>
             </a:p>
           </p:txBody>
         </p:sp>
@@ -15365,7 +15504,10 @@
             <a:lstStyle/>
             <a:p>
               <a:pPr algn="ctr"/>
-              <a:endParaRPr lang="en-US" sz="4800"/>
+              <a:endParaRPr lang="en-US" sz="4800">
+                <a:latin typeface="Times New Roman"/>
+                <a:cs typeface="Times New Roman"/>
+              </a:endParaRPr>
             </a:p>
           </p:txBody>
         </p:sp>
@@ -15716,6 +15858,8 @@
                 <a:solidFill>
                   <a:schemeClr val="tx1"/>
                 </a:solidFill>
+                <a:latin typeface="Times New Roman"/>
+                <a:cs typeface="Times New Roman"/>
               </a:endParaRPr>
             </a:p>
           </p:txBody>
@@ -16063,7 +16207,10 @@
             <a:lstStyle/>
             <a:p>
               <a:pPr algn="ctr"/>
-              <a:endParaRPr lang="en-US" sz="4800"/>
+              <a:endParaRPr lang="en-US" sz="4800">
+                <a:latin typeface="Times New Roman"/>
+                <a:cs typeface="Times New Roman"/>
+              </a:endParaRPr>
             </a:p>
           </p:txBody>
         </p:sp>
@@ -16110,7 +16257,10 @@
             <a:lstStyle/>
             <a:p>
               <a:pPr algn="ctr"/>
-              <a:endParaRPr lang="en-US" sz="4800"/>
+              <a:endParaRPr lang="en-US" sz="4800">
+                <a:latin typeface="Times New Roman"/>
+                <a:cs typeface="Times New Roman"/>
+              </a:endParaRPr>
             </a:p>
           </p:txBody>
         </p:sp>
@@ -16461,6 +16611,8 @@
                 <a:solidFill>
                   <a:schemeClr val="tx1"/>
                 </a:solidFill>
+                <a:latin typeface="Times New Roman"/>
+                <a:cs typeface="Times New Roman"/>
               </a:endParaRPr>
             </a:p>
           </p:txBody>
@@ -16760,7 +16912,7 @@
         <p:spPr>
           <a:xfrm>
             <a:off x="152209" y="24710771"/>
-            <a:ext cx="1682198" cy="1154162"/>
+            <a:ext cx="1586192" cy="1154162"/>
           </a:xfrm>
           <a:prstGeom prst="rect">
             <a:avLst/>
@@ -16775,21 +16927,21 @@
           <a:p>
             <a:r>
               <a:rPr lang="en-US" i="1" dirty="0" smtClean="0">
-                <a:latin typeface="Arial"/>
-                <a:cs typeface="Arial"/>
+                <a:latin typeface="Times New Roman"/>
+                <a:cs typeface="Times New Roman"/>
               </a:rPr>
               <a:t>k</a:t>
             </a:r>
             <a:r>
               <a:rPr lang="en-US" dirty="0" smtClean="0">
-                <a:latin typeface="Arial"/>
-                <a:cs typeface="Arial"/>
+                <a:latin typeface="Times New Roman"/>
+                <a:cs typeface="Times New Roman"/>
               </a:rPr>
               <a:t>=5</a:t>
             </a:r>
             <a:endParaRPr lang="en-US" dirty="0">
-              <a:latin typeface="Arial"/>
-              <a:cs typeface="Arial"/>
+              <a:latin typeface="Times New Roman"/>
+              <a:cs typeface="Times New Roman"/>
             </a:endParaRPr>
           </a:p>
         </p:txBody>
@@ -16803,7 +16955,7 @@
         <p:spPr>
           <a:xfrm>
             <a:off x="152209" y="16819042"/>
-            <a:ext cx="1682198" cy="1154162"/>
+            <a:ext cx="1586192" cy="1154162"/>
           </a:xfrm>
           <a:prstGeom prst="rect">
             <a:avLst/>
@@ -16818,21 +16970,21 @@
           <a:p>
             <a:r>
               <a:rPr lang="en-US" i="1" dirty="0" smtClean="0">
-                <a:latin typeface="Arial"/>
-                <a:cs typeface="Arial"/>
+                <a:latin typeface="Times New Roman"/>
+                <a:cs typeface="Times New Roman"/>
               </a:rPr>
               <a:t>k</a:t>
             </a:r>
             <a:r>
               <a:rPr lang="en-US" dirty="0" smtClean="0">
-                <a:latin typeface="Arial"/>
-                <a:cs typeface="Arial"/>
+                <a:latin typeface="Times New Roman"/>
+                <a:cs typeface="Times New Roman"/>
               </a:rPr>
               <a:t>=2</a:t>
             </a:r>
             <a:endParaRPr lang="en-US" dirty="0">
-              <a:latin typeface="Arial"/>
-              <a:cs typeface="Arial"/>
+              <a:latin typeface="Times New Roman"/>
+              <a:cs typeface="Times New Roman"/>
             </a:endParaRPr>
           </a:p>
         </p:txBody>
@@ -16846,7 +16998,7 @@
         <p:spPr>
           <a:xfrm>
             <a:off x="152209" y="9224025"/>
-            <a:ext cx="1682198" cy="1154162"/>
+            <a:ext cx="1586192" cy="1154162"/>
           </a:xfrm>
           <a:prstGeom prst="rect">
             <a:avLst/>
@@ -16861,21 +17013,21 @@
           <a:p>
             <a:r>
               <a:rPr lang="en-US" i="1" dirty="0" smtClean="0">
-                <a:latin typeface="Arial"/>
-                <a:cs typeface="Arial"/>
+                <a:latin typeface="Times New Roman"/>
+                <a:cs typeface="Times New Roman"/>
               </a:rPr>
               <a:t>k</a:t>
             </a:r>
             <a:r>
               <a:rPr lang="en-US" dirty="0" smtClean="0">
-                <a:latin typeface="Arial"/>
-                <a:cs typeface="Arial"/>
+                <a:latin typeface="Times New Roman"/>
+                <a:cs typeface="Times New Roman"/>
               </a:rPr>
               <a:t>=1</a:t>
             </a:r>
             <a:endParaRPr lang="en-US" dirty="0">
-              <a:latin typeface="Arial"/>
-              <a:cs typeface="Arial"/>
+              <a:latin typeface="Times New Roman"/>
+              <a:cs typeface="Times New Roman"/>
             </a:endParaRPr>
           </a:p>
         </p:txBody>
@@ -21608,7 +21760,10 @@
           <a:lstStyle/>
           <a:p>
             <a:pPr algn="ctr"/>
-            <a:endParaRPr lang="en-US" sz="8000"/>
+            <a:endParaRPr lang="en-US" sz="8000">
+              <a:latin typeface="Times New Roman"/>
+              <a:cs typeface="Times New Roman"/>
+            </a:endParaRPr>
           </a:p>
         </p:txBody>
       </p:sp>
@@ -21655,7 +21810,10 @@
           <a:lstStyle/>
           <a:p>
             <a:pPr algn="ctr"/>
-            <a:endParaRPr lang="en-US" sz="8000"/>
+            <a:endParaRPr lang="en-US" sz="8000">
+              <a:latin typeface="Times New Roman"/>
+              <a:cs typeface="Times New Roman"/>
+            </a:endParaRPr>
           </a:p>
         </p:txBody>
       </p:sp>
@@ -21706,6 +21864,8 @@
               <a:solidFill>
                 <a:schemeClr val="tx1"/>
               </a:solidFill>
+              <a:latin typeface="Times New Roman"/>
+              <a:cs typeface="Times New Roman"/>
             </a:endParaRPr>
           </a:p>
         </p:txBody>
@@ -21735,8 +21895,8 @@
             <a:pPr algn="ctr"/>
             <a:r>
               <a:rPr lang="en-US" dirty="0" smtClean="0">
-                <a:latin typeface="Arial"/>
-                <a:cs typeface="Arial"/>
+                <a:latin typeface="Times New Roman"/>
+                <a:cs typeface="Times New Roman"/>
               </a:rPr>
               <a:t>Build</a:t>
             </a:r>
@@ -21745,61 +21905,14 @@
             <a:pPr algn="ctr"/>
             <a:r>
               <a:rPr lang="en-US" dirty="0" smtClean="0">
-                <a:latin typeface="Arial"/>
-                <a:cs typeface="Arial"/>
+                <a:latin typeface="Times New Roman"/>
+                <a:cs typeface="Times New Roman"/>
               </a:rPr>
               <a:t>zone</a:t>
             </a:r>
             <a:endParaRPr lang="en-US" dirty="0">
-              <a:latin typeface="Arial"/>
-              <a:cs typeface="Arial"/>
-            </a:endParaRPr>
-          </a:p>
-        </p:txBody>
-      </p:sp>
-      <p:sp>
-        <p:nvSpPr>
-          <p:cNvPr id="3700" name="TextBox 3699"/>
-          <p:cNvSpPr txBox="1"/>
-          <p:nvPr/>
-        </p:nvSpPr>
-        <p:spPr>
-          <a:xfrm>
-            <a:off x="8610661" y="6200969"/>
-            <a:ext cx="3185750" cy="2215991"/>
-          </a:xfrm>
-          <a:prstGeom prst="rect">
-            <a:avLst/>
-          </a:prstGeom>
-          <a:noFill/>
-        </p:spPr>
-        <p:txBody>
-          <a:bodyPr wrap="none" rtlCol="0">
-            <a:spAutoFit/>
-          </a:bodyPr>
-          <a:lstStyle/>
-          <a:p>
-            <a:pPr algn="ctr"/>
-            <a:r>
-              <a:rPr lang="en-US" dirty="0" smtClean="0">
-                <a:latin typeface="Arial"/>
-                <a:cs typeface="Arial"/>
-              </a:rPr>
-              <a:t>Staging</a:t>
-            </a:r>
-          </a:p>
-          <a:p>
-            <a:pPr algn="ctr"/>
-            <a:r>
-              <a:rPr lang="en-US" dirty="0" smtClean="0">
-                <a:latin typeface="Arial"/>
-                <a:cs typeface="Arial"/>
-              </a:rPr>
-              <a:t>zone</a:t>
-            </a:r>
-            <a:endParaRPr lang="en-US" dirty="0">
-              <a:latin typeface="Arial"/>
-              <a:cs typeface="Arial"/>
+              <a:latin typeface="Times New Roman"/>
+              <a:cs typeface="Times New Roman"/>
             </a:endParaRPr>
           </a:p>
         </p:txBody>
@@ -21812,8 +21925,8 @@
         </p:nvSpPr>
         <p:spPr>
           <a:xfrm>
-            <a:off x="8075523" y="8252876"/>
-            <a:ext cx="950623" cy="1354217"/>
+            <a:off x="7616899" y="8483780"/>
+            <a:ext cx="828826" cy="1154162"/>
           </a:xfrm>
           <a:prstGeom prst="rect">
             <a:avLst/>
@@ -21849,8 +21962,8 @@
         </p:nvSpPr>
         <p:spPr>
           <a:xfrm>
-            <a:off x="8144432" y="-69130"/>
-            <a:ext cx="950623" cy="1354217"/>
+            <a:off x="7538601" y="-69130"/>
+            <a:ext cx="828826" cy="1154162"/>
           </a:xfrm>
           <a:prstGeom prst="rect">
             <a:avLst/>
@@ -21886,8 +21999,8 @@
         </p:nvSpPr>
         <p:spPr>
           <a:xfrm>
-            <a:off x="5954368" y="5221997"/>
-            <a:ext cx="2091942" cy="1154162"/>
+            <a:off x="5943022" y="5221997"/>
+            <a:ext cx="2114634" cy="1154162"/>
           </a:xfrm>
           <a:prstGeom prst="rect">
             <a:avLst/>
@@ -21903,28 +22016,28 @@
             <a:pPr algn="ctr"/>
             <a:r>
               <a:rPr lang="en-US" i="1" dirty="0" smtClean="0">
-                <a:latin typeface="Arial"/>
-                <a:cs typeface="Arial"/>
+                <a:latin typeface="Times New Roman"/>
+                <a:cs typeface="Times New Roman"/>
               </a:rPr>
               <a:t>ε</a:t>
             </a:r>
             <a:r>
               <a:rPr lang="en-US" dirty="0" smtClean="0">
-                <a:latin typeface="Arial"/>
-                <a:cs typeface="Arial"/>
+                <a:latin typeface="Times New Roman"/>
+                <a:cs typeface="Times New Roman"/>
               </a:rPr>
               <a:t>+2</a:t>
             </a:r>
             <a:r>
               <a:rPr lang="en-US" i="1" dirty="0" smtClean="0">
-                <a:latin typeface="Arial"/>
-                <a:cs typeface="Arial"/>
+                <a:latin typeface="Times New Roman"/>
+                <a:cs typeface="Times New Roman"/>
               </a:rPr>
               <a:t>r</a:t>
             </a:r>
             <a:endParaRPr lang="en-US" i="1" dirty="0">
-              <a:latin typeface="Arial"/>
-              <a:cs typeface="Arial"/>
+              <a:latin typeface="Times New Roman"/>
+              <a:cs typeface="Times New Roman"/>
             </a:endParaRPr>
           </a:p>
         </p:txBody>
@@ -21975,7 +22088,7 @@
         </p:nvCxnSpPr>
         <p:spPr>
           <a:xfrm>
-            <a:off x="9095055" y="8817070"/>
+            <a:off x="8460075" y="8817070"/>
             <a:ext cx="0" cy="759558"/>
           </a:xfrm>
           <a:prstGeom prst="straightConnector1">
@@ -22013,7 +22126,7 @@
         </p:nvCxnSpPr>
         <p:spPr>
           <a:xfrm>
-            <a:off x="9085819" y="381389"/>
+            <a:off x="8419090" y="381389"/>
             <a:ext cx="0" cy="759558"/>
           </a:xfrm>
           <a:prstGeom prst="straightConnector1">
@@ -22051,8 +22164,8 @@
         </p:nvSpPr>
         <p:spPr>
           <a:xfrm>
-            <a:off x="14971534" y="1683174"/>
-            <a:ext cx="2545871" cy="1154162"/>
+            <a:off x="15068506" y="1683174"/>
+            <a:ext cx="2351926" cy="1154162"/>
           </a:xfrm>
           <a:prstGeom prst="rect">
             <a:avLst/>
@@ -22068,14 +22181,14 @@
             <a:pPr algn="ctr"/>
             <a:r>
               <a:rPr lang="en-US" dirty="0" smtClean="0">
-                <a:latin typeface="Arial"/>
-                <a:cs typeface="Arial"/>
+                <a:latin typeface="Times New Roman"/>
+                <a:cs typeface="Times New Roman"/>
               </a:rPr>
               <a:t>Robot</a:t>
             </a:r>
             <a:endParaRPr lang="en-US" dirty="0">
-              <a:latin typeface="Arial"/>
-              <a:cs typeface="Arial"/>
+              <a:latin typeface="Times New Roman"/>
+              <a:cs typeface="Times New Roman"/>
             </a:endParaRPr>
           </a:p>
         </p:txBody>
@@ -22088,8 +22201,8 @@
         </p:nvSpPr>
         <p:spPr>
           <a:xfrm>
-            <a:off x="14950823" y="3432776"/>
-            <a:ext cx="2053755" cy="1154162"/>
+            <a:off x="15025353" y="3432776"/>
+            <a:ext cx="1904694" cy="1154162"/>
           </a:xfrm>
           <a:prstGeom prst="rect">
             <a:avLst/>
@@ -22105,14 +22218,14 @@
             <a:pPr algn="ctr"/>
             <a:r>
               <a:rPr lang="en-US" dirty="0" smtClean="0">
-                <a:latin typeface="Arial"/>
-                <a:cs typeface="Arial"/>
+                <a:latin typeface="Times New Roman"/>
+                <a:cs typeface="Times New Roman"/>
               </a:rPr>
               <a:t>Goal</a:t>
             </a:r>
             <a:endParaRPr lang="en-US" dirty="0">
-              <a:latin typeface="Arial"/>
-              <a:cs typeface="Arial"/>
+              <a:latin typeface="Times New Roman"/>
+              <a:cs typeface="Times New Roman"/>
             </a:endParaRPr>
           </a:p>
         </p:txBody>
@@ -22242,8 +22355,8 @@
         </p:nvSpPr>
         <p:spPr>
           <a:xfrm>
-            <a:off x="15008106" y="5182378"/>
-            <a:ext cx="2348419" cy="1154162"/>
+            <a:off x="15057792" y="5182378"/>
+            <a:ext cx="2249046" cy="1154162"/>
           </a:xfrm>
           <a:prstGeom prst="rect">
             <a:avLst/>
@@ -22259,14 +22372,14 @@
             <a:pPr algn="ctr"/>
             <a:r>
               <a:rPr lang="en-US" dirty="0" smtClean="0">
-                <a:latin typeface="Arial"/>
-                <a:cs typeface="Arial"/>
+                <a:latin typeface="Times New Roman"/>
+                <a:cs typeface="Times New Roman"/>
               </a:rPr>
               <a:t>Move</a:t>
             </a:r>
             <a:endParaRPr lang="en-US" dirty="0">
-              <a:latin typeface="Arial"/>
-              <a:cs typeface="Arial"/>
+              <a:latin typeface="Times New Roman"/>
+              <a:cs typeface="Times New Roman"/>
             </a:endParaRPr>
           </a:p>
         </p:txBody>
@@ -22296,14 +22409,14 @@
             <a:pPr algn="ctr"/>
             <a:r>
               <a:rPr lang="en-US" dirty="0" err="1" smtClean="0">
-                <a:latin typeface="Arial"/>
-                <a:cs typeface="Arial"/>
+                <a:latin typeface="Times New Roman"/>
+                <a:cs typeface="Times New Roman"/>
               </a:rPr>
               <a:t>DriftMove</a:t>
             </a:r>
             <a:endParaRPr lang="en-US" dirty="0">
-              <a:latin typeface="Arial"/>
-              <a:cs typeface="Arial"/>
+              <a:latin typeface="Times New Roman"/>
+              <a:cs typeface="Times New Roman"/>
             </a:endParaRPr>
           </a:p>
         </p:txBody>
@@ -22471,6 +22584,389 @@
           </a:fontRef>
         </p:style>
       </p:cxnSp>
+      <p:cxnSp>
+        <p:nvCxnSpPr>
+          <p:cNvPr id="440" name="Straight Arrow Connector 439"/>
+          <p:cNvCxnSpPr/>
+          <p:nvPr/>
+        </p:nvCxnSpPr>
+        <p:spPr>
+          <a:xfrm>
+            <a:off x="7891465" y="1658697"/>
+            <a:ext cx="4290334" cy="0"/>
+          </a:xfrm>
+          <a:prstGeom prst="straightConnector1">
+            <a:avLst/>
+          </a:prstGeom>
+          <a:ln w="76200" cmpd="sng">
+            <a:solidFill>
+              <a:schemeClr val="tx1"/>
+            </a:solidFill>
+            <a:headEnd type="stealth" w="lg" len="lg"/>
+            <a:tailEnd type="stealth" w="lg" len="lg"/>
+          </a:ln>
+          <a:effectLst/>
+        </p:spPr>
+        <p:style>
+          <a:lnRef idx="2">
+            <a:schemeClr val="accent1"/>
+          </a:lnRef>
+          <a:fillRef idx="0">
+            <a:schemeClr val="accent1"/>
+          </a:fillRef>
+          <a:effectRef idx="1">
+            <a:schemeClr val="accent1"/>
+          </a:effectRef>
+          <a:fontRef idx="minor">
+            <a:schemeClr val="tx1"/>
+          </a:fontRef>
+        </p:style>
+      </p:cxnSp>
+      <p:sp>
+        <p:nvSpPr>
+          <p:cNvPr id="442" name="TextBox 441"/>
+          <p:cNvSpPr txBox="1"/>
+          <p:nvPr/>
+        </p:nvSpPr>
+        <p:spPr>
+          <a:xfrm>
+            <a:off x="9596098" y="1182882"/>
+            <a:ext cx="1331324" cy="1154162"/>
+          </a:xfrm>
+          <a:prstGeom prst="rect">
+            <a:avLst/>
+          </a:prstGeom>
+          <a:solidFill>
+            <a:schemeClr val="accent6"/>
+          </a:solidFill>
+        </p:spPr>
+        <p:txBody>
+          <a:bodyPr wrap="none" rtlCol="0">
+            <a:spAutoFit/>
+          </a:bodyPr>
+          <a:lstStyle/>
+          <a:p>
+            <a:pPr algn="ctr"/>
+            <a:r>
+              <a:rPr lang="en-US" i="1" dirty="0" err="1" smtClean="0">
+                <a:latin typeface="Times New Roman"/>
+                <a:cs typeface="Times New Roman"/>
+              </a:rPr>
+              <a:t>w</a:t>
+            </a:r>
+            <a:r>
+              <a:rPr lang="en-US" i="1" baseline="-25000" dirty="0" err="1" smtClean="0">
+                <a:latin typeface="Times New Roman"/>
+                <a:cs typeface="Times New Roman"/>
+              </a:rPr>
+              <a:t>b</a:t>
+            </a:r>
+            <a:endParaRPr lang="en-US" i="1" dirty="0">
+              <a:latin typeface="Times New Roman"/>
+              <a:cs typeface="Times New Roman"/>
+            </a:endParaRPr>
+          </a:p>
+        </p:txBody>
+      </p:sp>
+      <p:cxnSp>
+        <p:nvCxnSpPr>
+          <p:cNvPr id="443" name="Straight Arrow Connector 442"/>
+          <p:cNvCxnSpPr/>
+          <p:nvPr/>
+        </p:nvCxnSpPr>
+        <p:spPr>
+          <a:xfrm>
+            <a:off x="8428468" y="1140947"/>
+            <a:ext cx="0" cy="4994275"/>
+          </a:xfrm>
+          <a:prstGeom prst="straightConnector1">
+            <a:avLst/>
+          </a:prstGeom>
+          <a:ln w="76200" cmpd="sng">
+            <a:solidFill>
+              <a:schemeClr val="tx1"/>
+            </a:solidFill>
+            <a:headEnd type="stealth" w="lg" len="lg"/>
+            <a:tailEnd type="stealth" w="lg" len="lg"/>
+          </a:ln>
+          <a:effectLst/>
+        </p:spPr>
+        <p:style>
+          <a:lnRef idx="2">
+            <a:schemeClr val="accent1"/>
+          </a:lnRef>
+          <a:fillRef idx="0">
+            <a:schemeClr val="accent1"/>
+          </a:fillRef>
+          <a:effectRef idx="1">
+            <a:schemeClr val="accent1"/>
+          </a:effectRef>
+          <a:fontRef idx="minor">
+            <a:schemeClr val="tx1"/>
+          </a:fontRef>
+        </p:style>
+      </p:cxnSp>
+      <p:sp>
+        <p:nvSpPr>
+          <p:cNvPr id="447" name="TextBox 446"/>
+          <p:cNvSpPr txBox="1"/>
+          <p:nvPr/>
+        </p:nvSpPr>
+        <p:spPr>
+          <a:xfrm>
+            <a:off x="8019224" y="3874280"/>
+            <a:ext cx="947374" cy="1154162"/>
+          </a:xfrm>
+          <a:prstGeom prst="rect">
+            <a:avLst/>
+          </a:prstGeom>
+          <a:solidFill>
+            <a:schemeClr val="accent6"/>
+          </a:solidFill>
+        </p:spPr>
+        <p:txBody>
+          <a:bodyPr wrap="square" rtlCol="0">
+            <a:spAutoFit/>
+          </a:bodyPr>
+          <a:lstStyle/>
+          <a:p>
+            <a:pPr algn="ctr"/>
+            <a:r>
+              <a:rPr lang="en-US" i="1" dirty="0" err="1" smtClean="0">
+                <a:latin typeface="Times New Roman"/>
+                <a:cs typeface="Times New Roman"/>
+              </a:rPr>
+              <a:t>h</a:t>
+            </a:r>
+            <a:r>
+              <a:rPr lang="en-US" i="1" baseline="-25000" dirty="0" err="1" smtClean="0">
+                <a:latin typeface="Times New Roman"/>
+                <a:cs typeface="Times New Roman"/>
+              </a:rPr>
+              <a:t>b</a:t>
+            </a:r>
+            <a:endParaRPr lang="en-US" i="1" dirty="0">
+              <a:latin typeface="Times New Roman"/>
+              <a:cs typeface="Times New Roman"/>
+            </a:endParaRPr>
+          </a:p>
+        </p:txBody>
+      </p:sp>
+      <p:cxnSp>
+        <p:nvCxnSpPr>
+          <p:cNvPr id="448" name="Straight Arrow Connector 447"/>
+          <p:cNvCxnSpPr/>
+          <p:nvPr/>
+        </p:nvCxnSpPr>
+        <p:spPr>
+          <a:xfrm>
+            <a:off x="7891465" y="8416960"/>
+            <a:ext cx="4290334" cy="0"/>
+          </a:xfrm>
+          <a:prstGeom prst="straightConnector1">
+            <a:avLst/>
+          </a:prstGeom>
+          <a:ln w="76200" cmpd="sng">
+            <a:solidFill>
+              <a:schemeClr val="tx1"/>
+            </a:solidFill>
+            <a:headEnd type="stealth" w="lg" len="lg"/>
+            <a:tailEnd type="stealth" w="lg" len="lg"/>
+          </a:ln>
+          <a:effectLst/>
+        </p:spPr>
+        <p:style>
+          <a:lnRef idx="2">
+            <a:schemeClr val="accent1"/>
+          </a:lnRef>
+          <a:fillRef idx="0">
+            <a:schemeClr val="accent1"/>
+          </a:fillRef>
+          <a:effectRef idx="1">
+            <a:schemeClr val="accent1"/>
+          </a:effectRef>
+          <a:fontRef idx="minor">
+            <a:schemeClr val="tx1"/>
+          </a:fontRef>
+        </p:style>
+      </p:cxnSp>
+      <p:cxnSp>
+        <p:nvCxnSpPr>
+          <p:cNvPr id="449" name="Straight Arrow Connector 448"/>
+          <p:cNvCxnSpPr/>
+          <p:nvPr/>
+        </p:nvCxnSpPr>
+        <p:spPr>
+          <a:xfrm>
+            <a:off x="8428468" y="6200969"/>
+            <a:ext cx="0" cy="2616101"/>
+          </a:xfrm>
+          <a:prstGeom prst="straightConnector1">
+            <a:avLst/>
+          </a:prstGeom>
+          <a:ln w="76200" cmpd="sng">
+            <a:solidFill>
+              <a:schemeClr val="tx1"/>
+            </a:solidFill>
+            <a:headEnd type="stealth" w="lg" len="lg"/>
+            <a:tailEnd type="stealth" w="lg" len="lg"/>
+          </a:ln>
+          <a:effectLst/>
+        </p:spPr>
+        <p:style>
+          <a:lnRef idx="2">
+            <a:schemeClr val="accent1"/>
+          </a:lnRef>
+          <a:fillRef idx="0">
+            <a:schemeClr val="accent1"/>
+          </a:fillRef>
+          <a:effectRef idx="1">
+            <a:schemeClr val="accent1"/>
+          </a:effectRef>
+          <a:fontRef idx="minor">
+            <a:schemeClr val="tx1"/>
+          </a:fontRef>
+        </p:style>
+      </p:cxnSp>
+      <p:sp>
+        <p:nvSpPr>
+          <p:cNvPr id="452" name="TextBox 451"/>
+          <p:cNvSpPr txBox="1"/>
+          <p:nvPr/>
+        </p:nvSpPr>
+        <p:spPr>
+          <a:xfrm>
+            <a:off x="7972377" y="6795850"/>
+            <a:ext cx="850401" cy="1154162"/>
+          </a:xfrm>
+          <a:prstGeom prst="rect">
+            <a:avLst/>
+          </a:prstGeom>
+          <a:solidFill>
+            <a:srgbClr val="FFFF00"/>
+          </a:solidFill>
+        </p:spPr>
+        <p:txBody>
+          <a:bodyPr wrap="square" rtlCol="0">
+            <a:spAutoFit/>
+          </a:bodyPr>
+          <a:lstStyle/>
+          <a:p>
+            <a:pPr algn="ctr"/>
+            <a:r>
+              <a:rPr lang="en-US" i="1" dirty="0" err="1" smtClean="0">
+                <a:latin typeface="Times New Roman"/>
+                <a:cs typeface="Times New Roman"/>
+              </a:rPr>
+              <a:t>h</a:t>
+            </a:r>
+            <a:r>
+              <a:rPr lang="en-US" i="1" baseline="-25000" dirty="0" err="1" smtClean="0">
+                <a:latin typeface="Times New Roman"/>
+                <a:cs typeface="Times New Roman"/>
+              </a:rPr>
+              <a:t>s</a:t>
+            </a:r>
+            <a:endParaRPr lang="en-US" i="1" dirty="0">
+              <a:latin typeface="Times New Roman"/>
+              <a:cs typeface="Times New Roman"/>
+            </a:endParaRPr>
+          </a:p>
+        </p:txBody>
+      </p:sp>
+      <p:sp>
+        <p:nvSpPr>
+          <p:cNvPr id="453" name="TextBox 452"/>
+          <p:cNvSpPr txBox="1"/>
+          <p:nvPr/>
+        </p:nvSpPr>
+        <p:spPr>
+          <a:xfrm>
+            <a:off x="10007293" y="7652447"/>
+            <a:ext cx="999664" cy="1154162"/>
+          </a:xfrm>
+          <a:prstGeom prst="rect">
+            <a:avLst/>
+          </a:prstGeom>
+          <a:solidFill>
+            <a:srgbClr val="FFFF00"/>
+          </a:solidFill>
+        </p:spPr>
+        <p:txBody>
+          <a:bodyPr wrap="square" rtlCol="0">
+            <a:spAutoFit/>
+          </a:bodyPr>
+          <a:lstStyle/>
+          <a:p>
+            <a:pPr algn="ctr"/>
+            <a:r>
+              <a:rPr lang="en-US" i="1" dirty="0" err="1" smtClean="0">
+                <a:latin typeface="Times New Roman"/>
+                <a:cs typeface="Times New Roman"/>
+              </a:rPr>
+              <a:t>w</a:t>
+            </a:r>
+            <a:r>
+              <a:rPr lang="en-US" i="1" baseline="-25000" dirty="0" err="1" smtClean="0">
+                <a:latin typeface="Times New Roman"/>
+                <a:cs typeface="Times New Roman"/>
+              </a:rPr>
+              <a:t>s</a:t>
+            </a:r>
+            <a:endParaRPr lang="en-US" i="1" dirty="0">
+              <a:latin typeface="Times New Roman"/>
+              <a:cs typeface="Times New Roman"/>
+            </a:endParaRPr>
+          </a:p>
+        </p:txBody>
+      </p:sp>
+      <p:sp>
+        <p:nvSpPr>
+          <p:cNvPr id="3700" name="TextBox 3699"/>
+          <p:cNvSpPr txBox="1"/>
+          <p:nvPr/>
+        </p:nvSpPr>
+        <p:spPr>
+          <a:xfrm>
+            <a:off x="8759289" y="5913108"/>
+            <a:ext cx="2888494" cy="2215991"/>
+          </a:xfrm>
+          <a:prstGeom prst="rect">
+            <a:avLst/>
+          </a:prstGeom>
+          <a:noFill/>
+        </p:spPr>
+        <p:txBody>
+          <a:bodyPr wrap="none" rtlCol="0">
+            <a:spAutoFit/>
+          </a:bodyPr>
+          <a:lstStyle/>
+          <a:p>
+            <a:pPr algn="ctr"/>
+            <a:r>
+              <a:rPr lang="en-US" dirty="0" smtClean="0">
+                <a:latin typeface="Times New Roman"/>
+                <a:cs typeface="Times New Roman"/>
+              </a:rPr>
+              <a:t>Staging</a:t>
+            </a:r>
+          </a:p>
+          <a:p>
+            <a:pPr algn="ctr"/>
+            <a:r>
+              <a:rPr lang="en-US" dirty="0" smtClean="0">
+                <a:latin typeface="Times New Roman"/>
+                <a:cs typeface="Times New Roman"/>
+              </a:rPr>
+              <a:t>zone</a:t>
+            </a:r>
+            <a:endParaRPr lang="en-US" dirty="0">
+              <a:latin typeface="Times New Roman"/>
+              <a:cs typeface="Times New Roman"/>
+            </a:endParaRPr>
+          </a:p>
+        </p:txBody>
+      </p:sp>
     </p:spTree>
     <p:extLst>
       <p:ext uri="{BB962C8B-B14F-4D97-AF65-F5344CB8AC3E}">
